--- a/ch4/main.pptx
+++ b/ch4/main.pptx
@@ -6,6 +6,8 @@
   </p:sldMasterIdLst>
   <p:sldIdLst>
     <p:sldId id="256" r:id="rId2"/>
+    <p:sldId id="257" r:id="rId3"/>
+    <p:sldId id="258" r:id="rId4"/>
   </p:sldIdLst>
   <p:sldSz cx="12192000" cy="6858000"/>
   <p:notesSz cx="6858000" cy="9144000"/>
@@ -104,6 +106,11 @@
       </a:defRPr>
     </a:lvl9pPr>
   </p:defaultTextStyle>
+  <p:extLst>
+    <p:ext uri="{EFAFB233-063F-42B5-8137-9DF3F51BA10A}">
+      <p15:sldGuideLst xmlns:p15="http://schemas.microsoft.com/office/powerpoint/2012/main"/>
+    </p:ext>
+  </p:extLst>
 </p:presentation>
 </file>
 
@@ -254,7 +261,7 @@
           <a:p>
             <a:fld id="{BE7954B5-D689-9A42-94C4-4F3A049241B2}" type="datetimeFigureOut">
               <a:rPr kumimoji="1" lang="zh-CN" altLang="en-US" smtClean="0"/>
-              <a:t>2023/1/17</a:t>
+              <a:t>2023/3/4</a:t>
             </a:fld>
             <a:endParaRPr kumimoji="1" lang="zh-CN" altLang="en-US"/>
           </a:p>
@@ -452,7 +459,7 @@
           <a:p>
             <a:fld id="{BE7954B5-D689-9A42-94C4-4F3A049241B2}" type="datetimeFigureOut">
               <a:rPr kumimoji="1" lang="zh-CN" altLang="en-US" smtClean="0"/>
-              <a:t>2023/1/17</a:t>
+              <a:t>2023/3/4</a:t>
             </a:fld>
             <a:endParaRPr kumimoji="1" lang="zh-CN" altLang="en-US"/>
           </a:p>
@@ -660,7 +667,7 @@
           <a:p>
             <a:fld id="{BE7954B5-D689-9A42-94C4-4F3A049241B2}" type="datetimeFigureOut">
               <a:rPr kumimoji="1" lang="zh-CN" altLang="en-US" smtClean="0"/>
-              <a:t>2023/1/17</a:t>
+              <a:t>2023/3/4</a:t>
             </a:fld>
             <a:endParaRPr kumimoji="1" lang="zh-CN" altLang="en-US"/>
           </a:p>
@@ -858,7 +865,7 @@
           <a:p>
             <a:fld id="{BE7954B5-D689-9A42-94C4-4F3A049241B2}" type="datetimeFigureOut">
               <a:rPr kumimoji="1" lang="zh-CN" altLang="en-US" smtClean="0"/>
-              <a:t>2023/1/17</a:t>
+              <a:t>2023/3/4</a:t>
             </a:fld>
             <a:endParaRPr kumimoji="1" lang="zh-CN" altLang="en-US"/>
           </a:p>
@@ -1133,7 +1140,7 @@
           <a:p>
             <a:fld id="{BE7954B5-D689-9A42-94C4-4F3A049241B2}" type="datetimeFigureOut">
               <a:rPr kumimoji="1" lang="zh-CN" altLang="en-US" smtClean="0"/>
-              <a:t>2023/1/17</a:t>
+              <a:t>2023/3/4</a:t>
             </a:fld>
             <a:endParaRPr kumimoji="1" lang="zh-CN" altLang="en-US"/>
           </a:p>
@@ -1398,7 +1405,7 @@
           <a:p>
             <a:fld id="{BE7954B5-D689-9A42-94C4-4F3A049241B2}" type="datetimeFigureOut">
               <a:rPr kumimoji="1" lang="zh-CN" altLang="en-US" smtClean="0"/>
-              <a:t>2023/1/17</a:t>
+              <a:t>2023/3/4</a:t>
             </a:fld>
             <a:endParaRPr kumimoji="1" lang="zh-CN" altLang="en-US"/>
           </a:p>
@@ -1810,7 +1817,7 @@
           <a:p>
             <a:fld id="{BE7954B5-D689-9A42-94C4-4F3A049241B2}" type="datetimeFigureOut">
               <a:rPr kumimoji="1" lang="zh-CN" altLang="en-US" smtClean="0"/>
-              <a:t>2023/1/17</a:t>
+              <a:t>2023/3/4</a:t>
             </a:fld>
             <a:endParaRPr kumimoji="1" lang="zh-CN" altLang="en-US"/>
           </a:p>
@@ -1951,7 +1958,7 @@
           <a:p>
             <a:fld id="{BE7954B5-D689-9A42-94C4-4F3A049241B2}" type="datetimeFigureOut">
               <a:rPr kumimoji="1" lang="zh-CN" altLang="en-US" smtClean="0"/>
-              <a:t>2023/1/17</a:t>
+              <a:t>2023/3/4</a:t>
             </a:fld>
             <a:endParaRPr kumimoji="1" lang="zh-CN" altLang="en-US"/>
           </a:p>
@@ -2064,7 +2071,7 @@
           <a:p>
             <a:fld id="{BE7954B5-D689-9A42-94C4-4F3A049241B2}" type="datetimeFigureOut">
               <a:rPr kumimoji="1" lang="zh-CN" altLang="en-US" smtClean="0"/>
-              <a:t>2023/1/17</a:t>
+              <a:t>2023/3/4</a:t>
             </a:fld>
             <a:endParaRPr kumimoji="1" lang="zh-CN" altLang="en-US"/>
           </a:p>
@@ -2375,7 +2382,7 @@
           <a:p>
             <a:fld id="{BE7954B5-D689-9A42-94C4-4F3A049241B2}" type="datetimeFigureOut">
               <a:rPr kumimoji="1" lang="zh-CN" altLang="en-US" smtClean="0"/>
-              <a:t>2023/1/17</a:t>
+              <a:t>2023/3/4</a:t>
             </a:fld>
             <a:endParaRPr kumimoji="1" lang="zh-CN" altLang="en-US"/>
           </a:p>
@@ -2663,7 +2670,7 @@
           <a:p>
             <a:fld id="{BE7954B5-D689-9A42-94C4-4F3A049241B2}" type="datetimeFigureOut">
               <a:rPr kumimoji="1" lang="zh-CN" altLang="en-US" smtClean="0"/>
-              <a:t>2023/1/17</a:t>
+              <a:t>2023/3/4</a:t>
             </a:fld>
             <a:endParaRPr kumimoji="1" lang="zh-CN" altLang="en-US"/>
           </a:p>
@@ -2904,7 +2911,7 @@
           <a:p>
             <a:fld id="{BE7954B5-D689-9A42-94C4-4F3A049241B2}" type="datetimeFigureOut">
               <a:rPr kumimoji="1" lang="zh-CN" altLang="en-US" smtClean="0"/>
-              <a:t>2023/1/17</a:t>
+              <a:t>2023/3/4</a:t>
             </a:fld>
             <a:endParaRPr kumimoji="1" lang="zh-CN" altLang="en-US"/>
           </a:p>
@@ -3583,8 +3590,8 @@
           </a:p>
         </p:txBody>
       </p:sp>
-      <mc:AlternateContent xmlns:mc="http://schemas.openxmlformats.org/markup-compatibility/2006">
-        <mc:Choice xmlns:a14="http://schemas.microsoft.com/office/drawing/2010/main" Requires="a14">
+      <mc:AlternateContent xmlns:mc="http://schemas.openxmlformats.org/markup-compatibility/2006" xmlns:a14="http://schemas.microsoft.com/office/drawing/2010/main">
+        <mc:Choice Requires="a14">
           <p:sp>
             <p:nvSpPr>
               <p:cNvPr id="8" name="文本框 7">
@@ -3613,6 +3620,7 @@
               </a:bodyPr>
               <a:lstStyle/>
               <a:p>
+                <a:pPr/>
                 <a14:m>
                   <m:oMathPara xmlns:m="http://schemas.openxmlformats.org/officeDocument/2006/math">
                     <m:oMathParaPr>
@@ -3701,7 +3709,7 @@
             </p:txBody>
           </p:sp>
         </mc:Choice>
-        <mc:Fallback>
+        <mc:Fallback xmlns="">
           <p:sp>
             <p:nvSpPr>
               <p:cNvPr id="8" name="文本框 7">
@@ -3746,8 +3754,8 @@
           </p:sp>
         </mc:Fallback>
       </mc:AlternateContent>
-      <mc:AlternateContent xmlns:mc="http://schemas.openxmlformats.org/markup-compatibility/2006">
-        <mc:Choice xmlns:a14="http://schemas.microsoft.com/office/drawing/2010/main" Requires="a14">
+      <mc:AlternateContent xmlns:mc="http://schemas.openxmlformats.org/markup-compatibility/2006" xmlns:a14="http://schemas.microsoft.com/office/drawing/2010/main">
+        <mc:Choice Requires="a14">
           <p:sp>
             <p:nvSpPr>
               <p:cNvPr id="10" name="文本框 9">
@@ -3776,6 +3784,7 @@
               </a:bodyPr>
               <a:lstStyle/>
               <a:p>
+                <a:pPr/>
                 <a14:m>
                   <m:oMathPara xmlns:m="http://schemas.openxmlformats.org/officeDocument/2006/math">
                     <m:oMathParaPr>
@@ -3864,7 +3873,7 @@
             </p:txBody>
           </p:sp>
         </mc:Choice>
-        <mc:Fallback>
+        <mc:Fallback xmlns="">
           <p:sp>
             <p:nvSpPr>
               <p:cNvPr id="10" name="文本框 9">
@@ -4138,6 +4147,1402 @@
     <p:extLst>
       <p:ext uri="{BB962C8B-B14F-4D97-AF65-F5344CB8AC3E}">
         <p14:creationId xmlns:p14="http://schemas.microsoft.com/office/powerpoint/2010/main" val="1106077452"/>
+      </p:ext>
+    </p:extLst>
+  </p:cSld>
+  <p:clrMapOvr>
+    <a:masterClrMapping/>
+  </p:clrMapOvr>
+</p:sld>
+</file>
+
+<file path=ppt/slides/slide2.xml><?xml version="1.0" encoding="utf-8"?>
+<p:sld xmlns:a="http://schemas.openxmlformats.org/drawingml/2006/main" xmlns:r="http://schemas.openxmlformats.org/officeDocument/2006/relationships" xmlns:p="http://schemas.openxmlformats.org/presentationml/2006/main">
+  <p:cSld>
+    <p:spTree>
+      <p:nvGrpSpPr>
+        <p:cNvPr id="1" name=""/>
+        <p:cNvGrpSpPr/>
+        <p:nvPr/>
+      </p:nvGrpSpPr>
+      <p:grpSpPr>
+        <a:xfrm>
+          <a:off x="0" y="0"/>
+          <a:ext cx="0" cy="0"/>
+          <a:chOff x="0" y="0"/>
+          <a:chExt cx="0" cy="0"/>
+        </a:xfrm>
+      </p:grpSpPr>
+      <p:sp>
+        <p:nvSpPr>
+          <p:cNvPr id="7" name="矩形 6">
+            <a:extLst>
+              <a:ext uri="{FF2B5EF4-FFF2-40B4-BE49-F238E27FC236}">
+                <a16:creationId xmlns:a16="http://schemas.microsoft.com/office/drawing/2014/main" id="{4A2A9CD8-C1D4-A56E-0BBA-9A4FBF74A862}"/>
+              </a:ext>
+            </a:extLst>
+          </p:cNvPr>
+          <p:cNvSpPr/>
+          <p:nvPr/>
+        </p:nvSpPr>
+        <p:spPr>
+          <a:xfrm>
+            <a:off x="4562951" y="2425232"/>
+            <a:ext cx="720000" cy="720000"/>
+          </a:xfrm>
+          <a:prstGeom prst="rect">
+            <a:avLst/>
+          </a:prstGeom>
+          <a:noFill/>
+          <a:ln>
+            <a:solidFill>
+              <a:schemeClr val="tx1"/>
+            </a:solidFill>
+          </a:ln>
+        </p:spPr>
+        <p:style>
+          <a:lnRef idx="2">
+            <a:schemeClr val="accent1">
+              <a:shade val="50000"/>
+            </a:schemeClr>
+          </a:lnRef>
+          <a:fillRef idx="1">
+            <a:schemeClr val="accent1"/>
+          </a:fillRef>
+          <a:effectRef idx="0">
+            <a:schemeClr val="accent1"/>
+          </a:effectRef>
+          <a:fontRef idx="minor">
+            <a:schemeClr val="lt1"/>
+          </a:fontRef>
+        </p:style>
+        <p:txBody>
+          <a:bodyPr rtlCol="0" anchor="ctr"/>
+          <a:lstStyle/>
+          <a:p>
+            <a:pPr algn="ctr"/>
+            <a:endParaRPr kumimoji="1" lang="zh-CN" altLang="en-US"/>
+          </a:p>
+        </p:txBody>
+      </p:sp>
+      <p:sp>
+        <p:nvSpPr>
+          <p:cNvPr id="8" name="矩形 7">
+            <a:extLst>
+              <a:ext uri="{FF2B5EF4-FFF2-40B4-BE49-F238E27FC236}">
+                <a16:creationId xmlns:a16="http://schemas.microsoft.com/office/drawing/2014/main" id="{9131832C-BFB8-AC42-DB06-E62737AA08FC}"/>
+              </a:ext>
+            </a:extLst>
+          </p:cNvPr>
+          <p:cNvSpPr/>
+          <p:nvPr/>
+        </p:nvSpPr>
+        <p:spPr>
+          <a:xfrm>
+            <a:off x="4562951" y="1705232"/>
+            <a:ext cx="720000" cy="720000"/>
+          </a:xfrm>
+          <a:prstGeom prst="rect">
+            <a:avLst/>
+          </a:prstGeom>
+          <a:noFill/>
+          <a:ln>
+            <a:solidFill>
+              <a:schemeClr val="tx1"/>
+            </a:solidFill>
+          </a:ln>
+        </p:spPr>
+        <p:style>
+          <a:lnRef idx="2">
+            <a:schemeClr val="accent1">
+              <a:shade val="50000"/>
+            </a:schemeClr>
+          </a:lnRef>
+          <a:fillRef idx="1">
+            <a:schemeClr val="accent1"/>
+          </a:fillRef>
+          <a:effectRef idx="0">
+            <a:schemeClr val="accent1"/>
+          </a:effectRef>
+          <a:fontRef idx="minor">
+            <a:schemeClr val="lt1"/>
+          </a:fontRef>
+        </p:style>
+        <p:txBody>
+          <a:bodyPr rtlCol="0" anchor="ctr"/>
+          <a:lstStyle/>
+          <a:p>
+            <a:pPr algn="ctr"/>
+            <a:endParaRPr kumimoji="1" lang="zh-CN" altLang="en-US"/>
+          </a:p>
+        </p:txBody>
+      </p:sp>
+      <p:sp>
+        <p:nvSpPr>
+          <p:cNvPr id="9" name="矩形 8">
+            <a:extLst>
+              <a:ext uri="{FF2B5EF4-FFF2-40B4-BE49-F238E27FC236}">
+                <a16:creationId xmlns:a16="http://schemas.microsoft.com/office/drawing/2014/main" id="{07B0BE27-896E-A33D-20F1-4C2F2AC50BF0}"/>
+              </a:ext>
+            </a:extLst>
+          </p:cNvPr>
+          <p:cNvSpPr/>
+          <p:nvPr/>
+        </p:nvSpPr>
+        <p:spPr>
+          <a:xfrm>
+            <a:off x="5282951" y="1705232"/>
+            <a:ext cx="720000" cy="720000"/>
+          </a:xfrm>
+          <a:prstGeom prst="rect">
+            <a:avLst/>
+          </a:prstGeom>
+          <a:noFill/>
+          <a:ln>
+            <a:solidFill>
+              <a:schemeClr val="tx1"/>
+            </a:solidFill>
+          </a:ln>
+        </p:spPr>
+        <p:style>
+          <a:lnRef idx="2">
+            <a:schemeClr val="accent1">
+              <a:shade val="50000"/>
+            </a:schemeClr>
+          </a:lnRef>
+          <a:fillRef idx="1">
+            <a:schemeClr val="accent1"/>
+          </a:fillRef>
+          <a:effectRef idx="0">
+            <a:schemeClr val="accent1"/>
+          </a:effectRef>
+          <a:fontRef idx="minor">
+            <a:schemeClr val="lt1"/>
+          </a:fontRef>
+        </p:style>
+        <p:txBody>
+          <a:bodyPr rtlCol="0" anchor="ctr"/>
+          <a:lstStyle/>
+          <a:p>
+            <a:pPr algn="ctr"/>
+            <a:endParaRPr kumimoji="1" lang="zh-CN" altLang="en-US"/>
+          </a:p>
+        </p:txBody>
+      </p:sp>
+      <p:sp>
+        <p:nvSpPr>
+          <p:cNvPr id="10" name="矩形 9">
+            <a:extLst>
+              <a:ext uri="{FF2B5EF4-FFF2-40B4-BE49-F238E27FC236}">
+                <a16:creationId xmlns:a16="http://schemas.microsoft.com/office/drawing/2014/main" id="{F2D4A9F2-E9D0-27B5-D126-1CB1ACC058C5}"/>
+              </a:ext>
+            </a:extLst>
+          </p:cNvPr>
+          <p:cNvSpPr/>
+          <p:nvPr/>
+        </p:nvSpPr>
+        <p:spPr>
+          <a:xfrm>
+            <a:off x="5282951" y="2425232"/>
+            <a:ext cx="720000" cy="720000"/>
+          </a:xfrm>
+          <a:prstGeom prst="rect">
+            <a:avLst/>
+          </a:prstGeom>
+          <a:noFill/>
+          <a:ln>
+            <a:solidFill>
+              <a:schemeClr val="tx1"/>
+            </a:solidFill>
+          </a:ln>
+        </p:spPr>
+        <p:style>
+          <a:lnRef idx="2">
+            <a:schemeClr val="accent1">
+              <a:shade val="50000"/>
+            </a:schemeClr>
+          </a:lnRef>
+          <a:fillRef idx="1">
+            <a:schemeClr val="accent1"/>
+          </a:fillRef>
+          <a:effectRef idx="0">
+            <a:schemeClr val="accent1"/>
+          </a:effectRef>
+          <a:fontRef idx="minor">
+            <a:schemeClr val="lt1"/>
+          </a:fontRef>
+        </p:style>
+        <p:txBody>
+          <a:bodyPr rtlCol="0" anchor="ctr"/>
+          <a:lstStyle/>
+          <a:p>
+            <a:pPr algn="ctr"/>
+            <a:endParaRPr kumimoji="1" lang="zh-CN" altLang="en-US"/>
+          </a:p>
+        </p:txBody>
+      </p:sp>
+      <mc:AlternateContent xmlns:mc="http://schemas.openxmlformats.org/markup-compatibility/2006">
+        <mc:Choice xmlns:a14="http://schemas.microsoft.com/office/drawing/2010/main" Requires="a14">
+          <p:sp>
+            <p:nvSpPr>
+              <p:cNvPr id="11" name="文本框 10">
+                <a:extLst>
+                  <a:ext uri="{FF2B5EF4-FFF2-40B4-BE49-F238E27FC236}">
+                    <a16:creationId xmlns:a16="http://schemas.microsoft.com/office/drawing/2014/main" id="{D88A30F1-5C6A-1A7D-64D9-1C6884F55882}"/>
+                  </a:ext>
+                </a:extLst>
+              </p:cNvPr>
+              <p:cNvSpPr txBox="1"/>
+              <p:nvPr/>
+            </p:nvSpPr>
+            <p:spPr>
+              <a:xfrm>
+                <a:off x="4789806" y="1926732"/>
+                <a:ext cx="266290" cy="276999"/>
+              </a:xfrm>
+              <a:prstGeom prst="rect">
+                <a:avLst/>
+              </a:prstGeom>
+              <a:noFill/>
+            </p:spPr>
+            <p:txBody>
+              <a:bodyPr wrap="none" lIns="0" tIns="0" rIns="0" bIns="0" rtlCol="0">
+                <a:spAutoFit/>
+              </a:bodyPr>
+              <a:lstStyle/>
+              <a:p>
+                <a14:m>
+                  <m:oMathPara xmlns:m="http://schemas.openxmlformats.org/officeDocument/2006/math">
+                    <m:oMathParaPr>
+                      <m:jc m:val="centerGroup"/>
+                    </m:oMathParaPr>
+                    <m:oMath xmlns:m="http://schemas.openxmlformats.org/officeDocument/2006/math">
+                      <m:sSub>
+                        <m:sSubPr>
+                          <m:ctrlPr>
+                            <a:rPr kumimoji="1" lang="en-US" altLang="zh-CN" b="0" i="1" smtClean="0">
+                              <a:latin typeface="Cambria Math" panose="02040503050406030204" pitchFamily="18" charset="0"/>
+                            </a:rPr>
+                          </m:ctrlPr>
+                        </m:sSubPr>
+                        <m:e>
+                          <m:r>
+                            <a:rPr kumimoji="1" lang="en-US" altLang="zh-CN" b="0" i="1" smtClean="0">
+                              <a:latin typeface="Cambria Math" panose="02040503050406030204" pitchFamily="18" charset="0"/>
+                            </a:rPr>
+                            <m:t>𝑠</m:t>
+                          </m:r>
+                        </m:e>
+                        <m:sub>
+                          <m:r>
+                            <a:rPr kumimoji="1" lang="en-US" altLang="zh-CN" b="0" i="1" smtClean="0">
+                              <a:latin typeface="Cambria Math" panose="02040503050406030204" pitchFamily="18" charset="0"/>
+                            </a:rPr>
+                            <m:t>1</m:t>
+                          </m:r>
+                        </m:sub>
+                      </m:sSub>
+                    </m:oMath>
+                  </m:oMathPara>
+                </a14:m>
+                <a:endParaRPr kumimoji="1" lang="zh-CN" altLang="en-US" dirty="0"/>
+              </a:p>
+            </p:txBody>
+          </p:sp>
+        </mc:Choice>
+        <mc:Fallback>
+          <p:sp>
+            <p:nvSpPr>
+              <p:cNvPr id="11" name="文本框 10">
+                <a:extLst>
+                  <a:ext uri="{FF2B5EF4-FFF2-40B4-BE49-F238E27FC236}">
+                    <a16:creationId xmlns:a16="http://schemas.microsoft.com/office/drawing/2014/main" id="{D88A30F1-5C6A-1A7D-64D9-1C6884F55882}"/>
+                  </a:ext>
+                </a:extLst>
+              </p:cNvPr>
+              <p:cNvSpPr txBox="1">
+                <a:spLocks noRot="1" noChangeAspect="1" noMove="1" noResize="1" noEditPoints="1" noAdjustHandles="1" noChangeArrowheads="1" noChangeShapeType="1" noTextEdit="1"/>
+              </p:cNvSpPr>
+              <p:nvPr/>
+            </p:nvSpPr>
+            <p:spPr>
+              <a:xfrm>
+                <a:off x="4789806" y="1926732"/>
+                <a:ext cx="266290" cy="276999"/>
+              </a:xfrm>
+              <a:prstGeom prst="rect">
+                <a:avLst/>
+              </a:prstGeom>
+              <a:blipFill>
+                <a:blip r:embed="rId2"/>
+                <a:stretch>
+                  <a:fillRect l="-14286" r="-4762" b="-13043"/>
+                </a:stretch>
+              </a:blipFill>
+            </p:spPr>
+            <p:txBody>
+              <a:bodyPr/>
+              <a:lstStyle/>
+              <a:p>
+                <a:r>
+                  <a:rPr lang="zh-CN" altLang="en-US">
+                    <a:noFill/>
+                  </a:rPr>
+                  <a:t> </a:t>
+                </a:r>
+              </a:p>
+            </p:txBody>
+          </p:sp>
+        </mc:Fallback>
+      </mc:AlternateContent>
+      <mc:AlternateContent xmlns:mc="http://schemas.openxmlformats.org/markup-compatibility/2006">
+        <mc:Choice xmlns:a14="http://schemas.microsoft.com/office/drawing/2010/main" Requires="a14">
+          <p:sp>
+            <p:nvSpPr>
+              <p:cNvPr id="12" name="文本框 11">
+                <a:extLst>
+                  <a:ext uri="{FF2B5EF4-FFF2-40B4-BE49-F238E27FC236}">
+                    <a16:creationId xmlns:a16="http://schemas.microsoft.com/office/drawing/2014/main" id="{B81D961A-FBD0-17FC-F88C-1459BFA417C3}"/>
+                  </a:ext>
+                </a:extLst>
+              </p:cNvPr>
+              <p:cNvSpPr txBox="1"/>
+              <p:nvPr/>
+            </p:nvSpPr>
+            <p:spPr>
+              <a:xfrm>
+                <a:off x="5509806" y="1926732"/>
+                <a:ext cx="271613" cy="276999"/>
+              </a:xfrm>
+              <a:prstGeom prst="rect">
+                <a:avLst/>
+              </a:prstGeom>
+              <a:noFill/>
+            </p:spPr>
+            <p:txBody>
+              <a:bodyPr wrap="none" lIns="0" tIns="0" rIns="0" bIns="0" rtlCol="0">
+                <a:spAutoFit/>
+              </a:bodyPr>
+              <a:lstStyle/>
+              <a:p>
+                <a14:m>
+                  <m:oMathPara xmlns:m="http://schemas.openxmlformats.org/officeDocument/2006/math">
+                    <m:oMathParaPr>
+                      <m:jc m:val="centerGroup"/>
+                    </m:oMathParaPr>
+                    <m:oMath xmlns:m="http://schemas.openxmlformats.org/officeDocument/2006/math">
+                      <m:sSub>
+                        <m:sSubPr>
+                          <m:ctrlPr>
+                            <a:rPr kumimoji="1" lang="en-US" altLang="zh-CN" b="0" i="1" smtClean="0">
+                              <a:latin typeface="Cambria Math" panose="02040503050406030204" pitchFamily="18" charset="0"/>
+                            </a:rPr>
+                          </m:ctrlPr>
+                        </m:sSubPr>
+                        <m:e>
+                          <m:r>
+                            <a:rPr kumimoji="1" lang="en-US" altLang="zh-CN" b="0" i="1" smtClean="0">
+                              <a:latin typeface="Cambria Math" panose="02040503050406030204" pitchFamily="18" charset="0"/>
+                            </a:rPr>
+                            <m:t>𝑠</m:t>
+                          </m:r>
+                        </m:e>
+                        <m:sub>
+                          <m:r>
+                            <a:rPr kumimoji="1" lang="en-US" altLang="zh-CN" b="0" i="1" smtClean="0">
+                              <a:latin typeface="Cambria Math" panose="02040503050406030204" pitchFamily="18" charset="0"/>
+                            </a:rPr>
+                            <m:t>2</m:t>
+                          </m:r>
+                        </m:sub>
+                      </m:sSub>
+                    </m:oMath>
+                  </m:oMathPara>
+                </a14:m>
+                <a:endParaRPr kumimoji="1" lang="zh-CN" altLang="en-US" dirty="0"/>
+              </a:p>
+            </p:txBody>
+          </p:sp>
+        </mc:Choice>
+        <mc:Fallback>
+          <p:sp>
+            <p:nvSpPr>
+              <p:cNvPr id="12" name="文本框 11">
+                <a:extLst>
+                  <a:ext uri="{FF2B5EF4-FFF2-40B4-BE49-F238E27FC236}">
+                    <a16:creationId xmlns:a16="http://schemas.microsoft.com/office/drawing/2014/main" id="{B81D961A-FBD0-17FC-F88C-1459BFA417C3}"/>
+                  </a:ext>
+                </a:extLst>
+              </p:cNvPr>
+              <p:cNvSpPr txBox="1">
+                <a:spLocks noRot="1" noChangeAspect="1" noMove="1" noResize="1" noEditPoints="1" noAdjustHandles="1" noChangeArrowheads="1" noChangeShapeType="1" noTextEdit="1"/>
+              </p:cNvSpPr>
+              <p:nvPr/>
+            </p:nvSpPr>
+            <p:spPr>
+              <a:xfrm>
+                <a:off x="5509806" y="1926732"/>
+                <a:ext cx="271613" cy="276999"/>
+              </a:xfrm>
+              <a:prstGeom prst="rect">
+                <a:avLst/>
+              </a:prstGeom>
+              <a:blipFill>
+                <a:blip r:embed="rId3"/>
+                <a:stretch>
+                  <a:fillRect l="-8696" r="-4348" b="-13043"/>
+                </a:stretch>
+              </a:blipFill>
+            </p:spPr>
+            <p:txBody>
+              <a:bodyPr/>
+              <a:lstStyle/>
+              <a:p>
+                <a:r>
+                  <a:rPr lang="zh-CN" altLang="en-US">
+                    <a:noFill/>
+                  </a:rPr>
+                  <a:t> </a:t>
+                </a:r>
+              </a:p>
+            </p:txBody>
+          </p:sp>
+        </mc:Fallback>
+      </mc:AlternateContent>
+      <mc:AlternateContent xmlns:mc="http://schemas.openxmlformats.org/markup-compatibility/2006">
+        <mc:Choice xmlns:a14="http://schemas.microsoft.com/office/drawing/2010/main" Requires="a14">
+          <p:sp>
+            <p:nvSpPr>
+              <p:cNvPr id="13" name="文本框 12">
+                <a:extLst>
+                  <a:ext uri="{FF2B5EF4-FFF2-40B4-BE49-F238E27FC236}">
+                    <a16:creationId xmlns:a16="http://schemas.microsoft.com/office/drawing/2014/main" id="{60032CFF-A712-BEBA-57C7-FCFF0E4A2864}"/>
+                  </a:ext>
+                </a:extLst>
+              </p:cNvPr>
+              <p:cNvSpPr txBox="1"/>
+              <p:nvPr/>
+            </p:nvSpPr>
+            <p:spPr>
+              <a:xfrm>
+                <a:off x="4787145" y="2646732"/>
+                <a:ext cx="271613" cy="276999"/>
+              </a:xfrm>
+              <a:prstGeom prst="rect">
+                <a:avLst/>
+              </a:prstGeom>
+              <a:noFill/>
+            </p:spPr>
+            <p:txBody>
+              <a:bodyPr wrap="none" lIns="0" tIns="0" rIns="0" bIns="0" rtlCol="0">
+                <a:spAutoFit/>
+              </a:bodyPr>
+              <a:lstStyle/>
+              <a:p>
+                <a14:m>
+                  <m:oMathPara xmlns:m="http://schemas.openxmlformats.org/officeDocument/2006/math">
+                    <m:oMathParaPr>
+                      <m:jc m:val="centerGroup"/>
+                    </m:oMathParaPr>
+                    <m:oMath xmlns:m="http://schemas.openxmlformats.org/officeDocument/2006/math">
+                      <m:sSub>
+                        <m:sSubPr>
+                          <m:ctrlPr>
+                            <a:rPr kumimoji="1" lang="en-US" altLang="zh-CN" b="0" i="1" smtClean="0">
+                              <a:latin typeface="Cambria Math" panose="02040503050406030204" pitchFamily="18" charset="0"/>
+                            </a:rPr>
+                          </m:ctrlPr>
+                        </m:sSubPr>
+                        <m:e>
+                          <m:r>
+                            <a:rPr kumimoji="1" lang="en-US" altLang="zh-CN" b="0" i="1" smtClean="0">
+                              <a:latin typeface="Cambria Math" panose="02040503050406030204" pitchFamily="18" charset="0"/>
+                            </a:rPr>
+                            <m:t>𝑠</m:t>
+                          </m:r>
+                        </m:e>
+                        <m:sub>
+                          <m:r>
+                            <a:rPr kumimoji="1" lang="en-US" altLang="zh-CN" b="0" i="1" smtClean="0">
+                              <a:latin typeface="Cambria Math" panose="02040503050406030204" pitchFamily="18" charset="0"/>
+                            </a:rPr>
+                            <m:t>3</m:t>
+                          </m:r>
+                        </m:sub>
+                      </m:sSub>
+                    </m:oMath>
+                  </m:oMathPara>
+                </a14:m>
+                <a:endParaRPr kumimoji="1" lang="zh-CN" altLang="en-US" dirty="0"/>
+              </a:p>
+            </p:txBody>
+          </p:sp>
+        </mc:Choice>
+        <mc:Fallback>
+          <p:sp>
+            <p:nvSpPr>
+              <p:cNvPr id="13" name="文本框 12">
+                <a:extLst>
+                  <a:ext uri="{FF2B5EF4-FFF2-40B4-BE49-F238E27FC236}">
+                    <a16:creationId xmlns:a16="http://schemas.microsoft.com/office/drawing/2014/main" id="{60032CFF-A712-BEBA-57C7-FCFF0E4A2864}"/>
+                  </a:ext>
+                </a:extLst>
+              </p:cNvPr>
+              <p:cNvSpPr txBox="1">
+                <a:spLocks noRot="1" noChangeAspect="1" noMove="1" noResize="1" noEditPoints="1" noAdjustHandles="1" noChangeArrowheads="1" noChangeShapeType="1" noTextEdit="1"/>
+              </p:cNvSpPr>
+              <p:nvPr/>
+            </p:nvSpPr>
+            <p:spPr>
+              <a:xfrm>
+                <a:off x="4787145" y="2646732"/>
+                <a:ext cx="271613" cy="276999"/>
+              </a:xfrm>
+              <a:prstGeom prst="rect">
+                <a:avLst/>
+              </a:prstGeom>
+              <a:blipFill>
+                <a:blip r:embed="rId4"/>
+                <a:stretch>
+                  <a:fillRect l="-8696" r="-4348" b="-13043"/>
+                </a:stretch>
+              </a:blipFill>
+            </p:spPr>
+            <p:txBody>
+              <a:bodyPr/>
+              <a:lstStyle/>
+              <a:p>
+                <a:r>
+                  <a:rPr lang="zh-CN" altLang="en-US">
+                    <a:noFill/>
+                  </a:rPr>
+                  <a:t> </a:t>
+                </a:r>
+              </a:p>
+            </p:txBody>
+          </p:sp>
+        </mc:Fallback>
+      </mc:AlternateContent>
+      <mc:AlternateContent xmlns:mc="http://schemas.openxmlformats.org/markup-compatibility/2006">
+        <mc:Choice xmlns:a14="http://schemas.microsoft.com/office/drawing/2010/main" Requires="a14">
+          <p:sp>
+            <p:nvSpPr>
+              <p:cNvPr id="14" name="文本框 13">
+                <a:extLst>
+                  <a:ext uri="{FF2B5EF4-FFF2-40B4-BE49-F238E27FC236}">
+                    <a16:creationId xmlns:a16="http://schemas.microsoft.com/office/drawing/2014/main" id="{9CDA1B56-8525-1DD3-5A48-0DE72FD82753}"/>
+                  </a:ext>
+                </a:extLst>
+              </p:cNvPr>
+              <p:cNvSpPr txBox="1"/>
+              <p:nvPr/>
+            </p:nvSpPr>
+            <p:spPr>
+              <a:xfrm>
+                <a:off x="5507145" y="2646732"/>
+                <a:ext cx="267124" cy="276999"/>
+              </a:xfrm>
+              <a:prstGeom prst="rect">
+                <a:avLst/>
+              </a:prstGeom>
+              <a:noFill/>
+            </p:spPr>
+            <p:txBody>
+              <a:bodyPr wrap="none" lIns="0" tIns="0" rIns="0" bIns="0" rtlCol="0">
+                <a:spAutoFit/>
+              </a:bodyPr>
+              <a:lstStyle/>
+              <a:p>
+                <a14:m>
+                  <m:oMathPara xmlns:m="http://schemas.openxmlformats.org/officeDocument/2006/math">
+                    <m:oMathParaPr>
+                      <m:jc m:val="centerGroup"/>
+                    </m:oMathParaPr>
+                    <m:oMath xmlns:m="http://schemas.openxmlformats.org/officeDocument/2006/math">
+                      <m:sSub>
+                        <m:sSubPr>
+                          <m:ctrlPr>
+                            <a:rPr kumimoji="1" lang="en-US" altLang="zh-CN" b="0" i="1" smtClean="0">
+                              <a:latin typeface="Cambria Math" panose="02040503050406030204" pitchFamily="18" charset="0"/>
+                            </a:rPr>
+                          </m:ctrlPr>
+                        </m:sSubPr>
+                        <m:e>
+                          <m:r>
+                            <a:rPr kumimoji="1" lang="en-US" altLang="zh-CN" b="0" i="1" smtClean="0">
+                              <a:latin typeface="Cambria Math" panose="02040503050406030204" pitchFamily="18" charset="0"/>
+                            </a:rPr>
+                            <m:t>𝑠</m:t>
+                          </m:r>
+                        </m:e>
+                        <m:sub>
+                          <m:r>
+                            <a:rPr kumimoji="1" lang="en-US" altLang="zh-CN" b="0" i="1" smtClean="0">
+                              <a:latin typeface="Cambria Math" panose="02040503050406030204" pitchFamily="18" charset="0"/>
+                            </a:rPr>
+                            <m:t>4</m:t>
+                          </m:r>
+                        </m:sub>
+                      </m:sSub>
+                    </m:oMath>
+                  </m:oMathPara>
+                </a14:m>
+                <a:endParaRPr kumimoji="1" lang="zh-CN" altLang="en-US" dirty="0"/>
+              </a:p>
+            </p:txBody>
+          </p:sp>
+        </mc:Choice>
+        <mc:Fallback>
+          <p:sp>
+            <p:nvSpPr>
+              <p:cNvPr id="14" name="文本框 13">
+                <a:extLst>
+                  <a:ext uri="{FF2B5EF4-FFF2-40B4-BE49-F238E27FC236}">
+                    <a16:creationId xmlns:a16="http://schemas.microsoft.com/office/drawing/2014/main" id="{9CDA1B56-8525-1DD3-5A48-0DE72FD82753}"/>
+                  </a:ext>
+                </a:extLst>
+              </p:cNvPr>
+              <p:cNvSpPr txBox="1">
+                <a:spLocks noRot="1" noChangeAspect="1" noMove="1" noResize="1" noEditPoints="1" noAdjustHandles="1" noChangeArrowheads="1" noChangeShapeType="1" noTextEdit="1"/>
+              </p:cNvSpPr>
+              <p:nvPr/>
+            </p:nvSpPr>
+            <p:spPr>
+              <a:xfrm>
+                <a:off x="5507145" y="2646732"/>
+                <a:ext cx="267124" cy="276999"/>
+              </a:xfrm>
+              <a:prstGeom prst="rect">
+                <a:avLst/>
+              </a:prstGeom>
+              <a:blipFill>
+                <a:blip r:embed="rId5"/>
+                <a:stretch>
+                  <a:fillRect l="-9091" r="-4545" b="-13043"/>
+                </a:stretch>
+              </a:blipFill>
+            </p:spPr>
+            <p:txBody>
+              <a:bodyPr/>
+              <a:lstStyle/>
+              <a:p>
+                <a:r>
+                  <a:rPr lang="zh-CN" altLang="en-US">
+                    <a:noFill/>
+                  </a:rPr>
+                  <a:t> </a:t>
+                </a:r>
+              </a:p>
+            </p:txBody>
+          </p:sp>
+        </mc:Fallback>
+      </mc:AlternateContent>
+      <p:cxnSp>
+        <p:nvCxnSpPr>
+          <p:cNvPr id="16" name="直线箭头连接符 15">
+            <a:extLst>
+              <a:ext uri="{FF2B5EF4-FFF2-40B4-BE49-F238E27FC236}">
+                <a16:creationId xmlns:a16="http://schemas.microsoft.com/office/drawing/2014/main" id="{556373A3-7A4A-027B-AEC8-483FB765C5F9}"/>
+              </a:ext>
+            </a:extLst>
+          </p:cNvPr>
+          <p:cNvCxnSpPr/>
+          <p:nvPr/>
+        </p:nvCxnSpPr>
+        <p:spPr>
+          <a:xfrm>
+            <a:off x="6561438" y="2207959"/>
+            <a:ext cx="360000" cy="0"/>
+          </a:xfrm>
+          <a:prstGeom prst="straightConnector1">
+            <a:avLst/>
+          </a:prstGeom>
+          <a:ln w="12700">
+            <a:solidFill>
+              <a:schemeClr val="tx1"/>
+            </a:solidFill>
+            <a:tailEnd type="triangle"/>
+          </a:ln>
+        </p:spPr>
+        <p:style>
+          <a:lnRef idx="1">
+            <a:schemeClr val="accent1"/>
+          </a:lnRef>
+          <a:fillRef idx="0">
+            <a:schemeClr val="accent1"/>
+          </a:fillRef>
+          <a:effectRef idx="0">
+            <a:schemeClr val="accent1"/>
+          </a:effectRef>
+          <a:fontRef idx="minor">
+            <a:schemeClr val="tx1"/>
+          </a:fontRef>
+        </p:style>
+      </p:cxnSp>
+      <p:cxnSp>
+        <p:nvCxnSpPr>
+          <p:cNvPr id="18" name="直线箭头连接符 17">
+            <a:extLst>
+              <a:ext uri="{FF2B5EF4-FFF2-40B4-BE49-F238E27FC236}">
+                <a16:creationId xmlns:a16="http://schemas.microsoft.com/office/drawing/2014/main" id="{01FD734E-55BB-0966-C4E2-24B14CBED474}"/>
+              </a:ext>
+            </a:extLst>
+          </p:cNvPr>
+          <p:cNvCxnSpPr/>
+          <p:nvPr/>
+        </p:nvCxnSpPr>
+        <p:spPr>
+          <a:xfrm>
+            <a:off x="6561438" y="2203731"/>
+            <a:ext cx="0" cy="360000"/>
+          </a:xfrm>
+          <a:prstGeom prst="straightConnector1">
+            <a:avLst/>
+          </a:prstGeom>
+          <a:ln w="12700">
+            <a:solidFill>
+              <a:schemeClr val="tx1"/>
+            </a:solidFill>
+            <a:tailEnd type="triangle"/>
+          </a:ln>
+        </p:spPr>
+        <p:style>
+          <a:lnRef idx="1">
+            <a:schemeClr val="accent1"/>
+          </a:lnRef>
+          <a:fillRef idx="0">
+            <a:schemeClr val="accent1"/>
+          </a:fillRef>
+          <a:effectRef idx="0">
+            <a:schemeClr val="accent1"/>
+          </a:effectRef>
+          <a:fontRef idx="minor">
+            <a:schemeClr val="tx1"/>
+          </a:fontRef>
+        </p:style>
+      </p:cxnSp>
+    </p:spTree>
+    <p:extLst>
+      <p:ext uri="{BB962C8B-B14F-4D97-AF65-F5344CB8AC3E}">
+        <p14:creationId xmlns:p14="http://schemas.microsoft.com/office/powerpoint/2010/main" val="3928820737"/>
+      </p:ext>
+    </p:extLst>
+  </p:cSld>
+  <p:clrMapOvr>
+    <a:masterClrMapping/>
+  </p:clrMapOvr>
+</p:sld>
+</file>
+
+<file path=ppt/slides/slide3.xml><?xml version="1.0" encoding="utf-8"?>
+<p:sld xmlns:a="http://schemas.openxmlformats.org/drawingml/2006/main" xmlns:r="http://schemas.openxmlformats.org/officeDocument/2006/relationships" xmlns:p="http://schemas.openxmlformats.org/presentationml/2006/main">
+  <p:cSld>
+    <p:spTree>
+      <p:nvGrpSpPr>
+        <p:cNvPr id="1" name=""/>
+        <p:cNvGrpSpPr/>
+        <p:nvPr/>
+      </p:nvGrpSpPr>
+      <p:grpSpPr>
+        <a:xfrm>
+          <a:off x="0" y="0"/>
+          <a:ext cx="0" cy="0"/>
+          <a:chOff x="0" y="0"/>
+          <a:chExt cx="0" cy="0"/>
+        </a:xfrm>
+      </p:grpSpPr>
+      <p:sp>
+        <p:nvSpPr>
+          <p:cNvPr id="7" name="矩形 6">
+            <a:extLst>
+              <a:ext uri="{FF2B5EF4-FFF2-40B4-BE49-F238E27FC236}">
+                <a16:creationId xmlns:a16="http://schemas.microsoft.com/office/drawing/2014/main" id="{4A2A9CD8-C1D4-A56E-0BBA-9A4FBF74A862}"/>
+              </a:ext>
+            </a:extLst>
+          </p:cNvPr>
+          <p:cNvSpPr/>
+          <p:nvPr/>
+        </p:nvSpPr>
+        <p:spPr>
+          <a:xfrm>
+            <a:off x="4562951" y="2425232"/>
+            <a:ext cx="720000" cy="720000"/>
+          </a:xfrm>
+          <a:prstGeom prst="rect">
+            <a:avLst/>
+          </a:prstGeom>
+          <a:noFill/>
+          <a:ln>
+            <a:solidFill>
+              <a:schemeClr val="tx1"/>
+            </a:solidFill>
+          </a:ln>
+        </p:spPr>
+        <p:style>
+          <a:lnRef idx="2">
+            <a:schemeClr val="accent1">
+              <a:shade val="50000"/>
+            </a:schemeClr>
+          </a:lnRef>
+          <a:fillRef idx="1">
+            <a:schemeClr val="accent1"/>
+          </a:fillRef>
+          <a:effectRef idx="0">
+            <a:schemeClr val="accent1"/>
+          </a:effectRef>
+          <a:fontRef idx="minor">
+            <a:schemeClr val="lt1"/>
+          </a:fontRef>
+        </p:style>
+        <p:txBody>
+          <a:bodyPr rtlCol="0" anchor="ctr"/>
+          <a:lstStyle/>
+          <a:p>
+            <a:pPr algn="ctr"/>
+            <a:endParaRPr kumimoji="1" lang="zh-CN" altLang="en-US"/>
+          </a:p>
+        </p:txBody>
+      </p:sp>
+      <p:sp>
+        <p:nvSpPr>
+          <p:cNvPr id="8" name="矩形 7">
+            <a:extLst>
+              <a:ext uri="{FF2B5EF4-FFF2-40B4-BE49-F238E27FC236}">
+                <a16:creationId xmlns:a16="http://schemas.microsoft.com/office/drawing/2014/main" id="{9131832C-BFB8-AC42-DB06-E62737AA08FC}"/>
+              </a:ext>
+            </a:extLst>
+          </p:cNvPr>
+          <p:cNvSpPr/>
+          <p:nvPr/>
+        </p:nvSpPr>
+        <p:spPr>
+          <a:xfrm>
+            <a:off x="4562951" y="1705232"/>
+            <a:ext cx="720000" cy="720000"/>
+          </a:xfrm>
+          <a:prstGeom prst="rect">
+            <a:avLst/>
+          </a:prstGeom>
+          <a:noFill/>
+          <a:ln>
+            <a:solidFill>
+              <a:schemeClr val="tx1"/>
+            </a:solidFill>
+          </a:ln>
+        </p:spPr>
+        <p:style>
+          <a:lnRef idx="2">
+            <a:schemeClr val="accent1">
+              <a:shade val="50000"/>
+            </a:schemeClr>
+          </a:lnRef>
+          <a:fillRef idx="1">
+            <a:schemeClr val="accent1"/>
+          </a:fillRef>
+          <a:effectRef idx="0">
+            <a:schemeClr val="accent1"/>
+          </a:effectRef>
+          <a:fontRef idx="minor">
+            <a:schemeClr val="lt1"/>
+          </a:fontRef>
+        </p:style>
+        <p:txBody>
+          <a:bodyPr rtlCol="0" anchor="ctr"/>
+          <a:lstStyle/>
+          <a:p>
+            <a:pPr algn="ctr"/>
+            <a:endParaRPr kumimoji="1" lang="zh-CN" altLang="en-US"/>
+          </a:p>
+        </p:txBody>
+      </p:sp>
+      <p:sp>
+        <p:nvSpPr>
+          <p:cNvPr id="9" name="矩形 8">
+            <a:extLst>
+              <a:ext uri="{FF2B5EF4-FFF2-40B4-BE49-F238E27FC236}">
+                <a16:creationId xmlns:a16="http://schemas.microsoft.com/office/drawing/2014/main" id="{07B0BE27-896E-A33D-20F1-4C2F2AC50BF0}"/>
+              </a:ext>
+            </a:extLst>
+          </p:cNvPr>
+          <p:cNvSpPr/>
+          <p:nvPr/>
+        </p:nvSpPr>
+        <p:spPr>
+          <a:xfrm>
+            <a:off x="5282951" y="1705232"/>
+            <a:ext cx="720000" cy="720000"/>
+          </a:xfrm>
+          <a:prstGeom prst="rect">
+            <a:avLst/>
+          </a:prstGeom>
+          <a:noFill/>
+          <a:ln>
+            <a:solidFill>
+              <a:schemeClr val="tx1"/>
+            </a:solidFill>
+          </a:ln>
+        </p:spPr>
+        <p:style>
+          <a:lnRef idx="2">
+            <a:schemeClr val="accent1">
+              <a:shade val="50000"/>
+            </a:schemeClr>
+          </a:lnRef>
+          <a:fillRef idx="1">
+            <a:schemeClr val="accent1"/>
+          </a:fillRef>
+          <a:effectRef idx="0">
+            <a:schemeClr val="accent1"/>
+          </a:effectRef>
+          <a:fontRef idx="minor">
+            <a:schemeClr val="lt1"/>
+          </a:fontRef>
+        </p:style>
+        <p:txBody>
+          <a:bodyPr rtlCol="0" anchor="ctr"/>
+          <a:lstStyle/>
+          <a:p>
+            <a:pPr algn="ctr"/>
+            <a:endParaRPr kumimoji="1" lang="zh-CN" altLang="en-US"/>
+          </a:p>
+        </p:txBody>
+      </p:sp>
+      <p:sp>
+        <p:nvSpPr>
+          <p:cNvPr id="10" name="矩形 9">
+            <a:extLst>
+              <a:ext uri="{FF2B5EF4-FFF2-40B4-BE49-F238E27FC236}">
+                <a16:creationId xmlns:a16="http://schemas.microsoft.com/office/drawing/2014/main" id="{F2D4A9F2-E9D0-27B5-D126-1CB1ACC058C5}"/>
+              </a:ext>
+            </a:extLst>
+          </p:cNvPr>
+          <p:cNvSpPr/>
+          <p:nvPr/>
+        </p:nvSpPr>
+        <p:spPr>
+          <a:xfrm>
+            <a:off x="5282951" y="2425232"/>
+            <a:ext cx="720000" cy="720000"/>
+          </a:xfrm>
+          <a:prstGeom prst="rect">
+            <a:avLst/>
+          </a:prstGeom>
+          <a:noFill/>
+          <a:ln>
+            <a:solidFill>
+              <a:schemeClr val="tx1"/>
+            </a:solidFill>
+          </a:ln>
+        </p:spPr>
+        <p:style>
+          <a:lnRef idx="2">
+            <a:schemeClr val="accent1">
+              <a:shade val="50000"/>
+            </a:schemeClr>
+          </a:lnRef>
+          <a:fillRef idx="1">
+            <a:schemeClr val="accent1"/>
+          </a:fillRef>
+          <a:effectRef idx="0">
+            <a:schemeClr val="accent1"/>
+          </a:effectRef>
+          <a:fontRef idx="minor">
+            <a:schemeClr val="lt1"/>
+          </a:fontRef>
+        </p:style>
+        <p:txBody>
+          <a:bodyPr rtlCol="0" anchor="ctr"/>
+          <a:lstStyle/>
+          <a:p>
+            <a:pPr algn="ctr"/>
+            <a:endParaRPr kumimoji="1" lang="zh-CN" altLang="en-US"/>
+          </a:p>
+        </p:txBody>
+      </p:sp>
+      <mc:AlternateContent xmlns:mc="http://schemas.openxmlformats.org/markup-compatibility/2006">
+        <mc:Choice xmlns:a14="http://schemas.microsoft.com/office/drawing/2010/main" Requires="a14">
+          <p:sp>
+            <p:nvSpPr>
+              <p:cNvPr id="11" name="文本框 10">
+                <a:extLst>
+                  <a:ext uri="{FF2B5EF4-FFF2-40B4-BE49-F238E27FC236}">
+                    <a16:creationId xmlns:a16="http://schemas.microsoft.com/office/drawing/2014/main" id="{D88A30F1-5C6A-1A7D-64D9-1C6884F55882}"/>
+                  </a:ext>
+                </a:extLst>
+              </p:cNvPr>
+              <p:cNvSpPr txBox="1"/>
+              <p:nvPr/>
+            </p:nvSpPr>
+            <p:spPr>
+              <a:xfrm>
+                <a:off x="4641554" y="1930960"/>
+                <a:ext cx="540211" cy="276999"/>
+              </a:xfrm>
+              <a:prstGeom prst="rect">
+                <a:avLst/>
+              </a:prstGeom>
+              <a:noFill/>
+            </p:spPr>
+            <p:txBody>
+              <a:bodyPr wrap="none" lIns="0" tIns="0" rIns="0" bIns="0" rtlCol="0">
+                <a:spAutoFit/>
+              </a:bodyPr>
+              <a:lstStyle/>
+              <a:p>
+                <a14:m>
+                  <m:oMathPara xmlns:m="http://schemas.openxmlformats.org/officeDocument/2006/math">
+                    <m:oMathParaPr>
+                      <m:jc m:val="centerGroup"/>
+                    </m:oMathParaPr>
+                    <m:oMath xmlns:m="http://schemas.openxmlformats.org/officeDocument/2006/math">
+                      <m:r>
+                        <a:rPr kumimoji="1" lang="en-US" altLang="zh-CN" b="0" i="1" smtClean="0">
+                          <a:latin typeface="Cambria Math" panose="02040503050406030204" pitchFamily="18" charset="0"/>
+                        </a:rPr>
+                        <m:t>−1.4</m:t>
+                      </m:r>
+                    </m:oMath>
+                  </m:oMathPara>
+                </a14:m>
+                <a:endParaRPr kumimoji="1" lang="zh-CN" altLang="en-US" dirty="0"/>
+              </a:p>
+            </p:txBody>
+          </p:sp>
+        </mc:Choice>
+        <mc:Fallback>
+          <p:sp>
+            <p:nvSpPr>
+              <p:cNvPr id="11" name="文本框 10">
+                <a:extLst>
+                  <a:ext uri="{FF2B5EF4-FFF2-40B4-BE49-F238E27FC236}">
+                    <a16:creationId xmlns:a16="http://schemas.microsoft.com/office/drawing/2014/main" id="{D88A30F1-5C6A-1A7D-64D9-1C6884F55882}"/>
+                  </a:ext>
+                </a:extLst>
+              </p:cNvPr>
+              <p:cNvSpPr txBox="1">
+                <a:spLocks noRot="1" noChangeAspect="1" noMove="1" noResize="1" noEditPoints="1" noAdjustHandles="1" noChangeArrowheads="1" noChangeShapeType="1" noTextEdit="1"/>
+              </p:cNvSpPr>
+              <p:nvPr/>
+            </p:nvSpPr>
+            <p:spPr>
+              <a:xfrm>
+                <a:off x="4641554" y="1930960"/>
+                <a:ext cx="540211" cy="276999"/>
+              </a:xfrm>
+              <a:prstGeom prst="rect">
+                <a:avLst/>
+              </a:prstGeom>
+              <a:blipFill>
+                <a:blip r:embed="rId2"/>
+                <a:stretch>
+                  <a:fillRect l="-2273" r="-6818" b="-9091"/>
+                </a:stretch>
+              </a:blipFill>
+            </p:spPr>
+            <p:txBody>
+              <a:bodyPr/>
+              <a:lstStyle/>
+              <a:p>
+                <a:r>
+                  <a:rPr lang="zh-CN" altLang="en-US">
+                    <a:noFill/>
+                  </a:rPr>
+                  <a:t> </a:t>
+                </a:r>
+              </a:p>
+            </p:txBody>
+          </p:sp>
+        </mc:Fallback>
+      </mc:AlternateContent>
+      <mc:AlternateContent xmlns:mc="http://schemas.openxmlformats.org/markup-compatibility/2006">
+        <mc:Choice xmlns:a14="http://schemas.microsoft.com/office/drawing/2010/main" Requires="a14">
+          <p:sp>
+            <p:nvSpPr>
+              <p:cNvPr id="12" name="文本框 11">
+                <a:extLst>
+                  <a:ext uri="{FF2B5EF4-FFF2-40B4-BE49-F238E27FC236}">
+                    <a16:creationId xmlns:a16="http://schemas.microsoft.com/office/drawing/2014/main" id="{B81D961A-FBD0-17FC-F88C-1459BFA417C3}"/>
+                  </a:ext>
+                </a:extLst>
+              </p:cNvPr>
+              <p:cNvSpPr txBox="1"/>
+              <p:nvPr/>
+            </p:nvSpPr>
+            <p:spPr>
+              <a:xfrm>
+                <a:off x="5461009" y="1926732"/>
+                <a:ext cx="363882" cy="276999"/>
+              </a:xfrm>
+              <a:prstGeom prst="rect">
+                <a:avLst/>
+              </a:prstGeom>
+              <a:noFill/>
+            </p:spPr>
+            <p:txBody>
+              <a:bodyPr wrap="none" lIns="0" tIns="0" rIns="0" bIns="0" rtlCol="0">
+                <a:spAutoFit/>
+              </a:bodyPr>
+              <a:lstStyle/>
+              <a:p>
+                <a14:m>
+                  <m:oMathPara xmlns:m="http://schemas.openxmlformats.org/officeDocument/2006/math">
+                    <m:oMathParaPr>
+                      <m:jc m:val="centerGroup"/>
+                    </m:oMathParaPr>
+                    <m:oMath xmlns:m="http://schemas.openxmlformats.org/officeDocument/2006/math">
+                      <m:r>
+                        <a:rPr kumimoji="1" lang="en-US" altLang="zh-CN" b="0" i="1" smtClean="0">
+                          <a:latin typeface="Cambria Math" panose="02040503050406030204" pitchFamily="18" charset="0"/>
+                        </a:rPr>
+                        <m:t>−1</m:t>
+                      </m:r>
+                    </m:oMath>
+                  </m:oMathPara>
+                </a14:m>
+                <a:endParaRPr kumimoji="1" lang="zh-CN" altLang="en-US" dirty="0"/>
+              </a:p>
+            </p:txBody>
+          </p:sp>
+        </mc:Choice>
+        <mc:Fallback>
+          <p:sp>
+            <p:nvSpPr>
+              <p:cNvPr id="12" name="文本框 11">
+                <a:extLst>
+                  <a:ext uri="{FF2B5EF4-FFF2-40B4-BE49-F238E27FC236}">
+                    <a16:creationId xmlns:a16="http://schemas.microsoft.com/office/drawing/2014/main" id="{B81D961A-FBD0-17FC-F88C-1459BFA417C3}"/>
+                  </a:ext>
+                </a:extLst>
+              </p:cNvPr>
+              <p:cNvSpPr txBox="1">
+                <a:spLocks noRot="1" noChangeAspect="1" noMove="1" noResize="1" noEditPoints="1" noAdjustHandles="1" noChangeArrowheads="1" noChangeShapeType="1" noTextEdit="1"/>
+              </p:cNvSpPr>
+              <p:nvPr/>
+            </p:nvSpPr>
+            <p:spPr>
+              <a:xfrm>
+                <a:off x="5461009" y="1926732"/>
+                <a:ext cx="363882" cy="276999"/>
+              </a:xfrm>
+              <a:prstGeom prst="rect">
+                <a:avLst/>
+              </a:prstGeom>
+              <a:blipFill>
+                <a:blip r:embed="rId3"/>
+                <a:stretch>
+                  <a:fillRect l="-3448" r="-13793" b="-4348"/>
+                </a:stretch>
+              </a:blipFill>
+            </p:spPr>
+            <p:txBody>
+              <a:bodyPr/>
+              <a:lstStyle/>
+              <a:p>
+                <a:r>
+                  <a:rPr lang="zh-CN" altLang="en-US">
+                    <a:noFill/>
+                  </a:rPr>
+                  <a:t> </a:t>
+                </a:r>
+              </a:p>
+            </p:txBody>
+          </p:sp>
+        </mc:Fallback>
+      </mc:AlternateContent>
+      <mc:AlternateContent xmlns:mc="http://schemas.openxmlformats.org/markup-compatibility/2006">
+        <mc:Choice xmlns:a14="http://schemas.microsoft.com/office/drawing/2010/main" Requires="a14">
+          <p:sp>
+            <p:nvSpPr>
+              <p:cNvPr id="13" name="文本框 12">
+                <a:extLst>
+                  <a:ext uri="{FF2B5EF4-FFF2-40B4-BE49-F238E27FC236}">
+                    <a16:creationId xmlns:a16="http://schemas.microsoft.com/office/drawing/2014/main" id="{60032CFF-A712-BEBA-57C7-FCFF0E4A2864}"/>
+                  </a:ext>
+                </a:extLst>
+              </p:cNvPr>
+              <p:cNvSpPr txBox="1"/>
+              <p:nvPr/>
+            </p:nvSpPr>
+            <p:spPr>
+              <a:xfrm>
+                <a:off x="4741010" y="2641912"/>
+                <a:ext cx="363882" cy="276999"/>
+              </a:xfrm>
+              <a:prstGeom prst="rect">
+                <a:avLst/>
+              </a:prstGeom>
+              <a:noFill/>
+            </p:spPr>
+            <p:txBody>
+              <a:bodyPr wrap="none" lIns="0" tIns="0" rIns="0" bIns="0" rtlCol="0">
+                <a:spAutoFit/>
+              </a:bodyPr>
+              <a:lstStyle/>
+              <a:p>
+                <a14:m>
+                  <m:oMathPara xmlns:m="http://schemas.openxmlformats.org/officeDocument/2006/math">
+                    <m:oMathParaPr>
+                      <m:jc m:val="centerGroup"/>
+                    </m:oMathParaPr>
+                    <m:oMath xmlns:m="http://schemas.openxmlformats.org/officeDocument/2006/math">
+                      <m:r>
+                        <a:rPr kumimoji="1" lang="en-US" altLang="zh-CN" b="0" i="1" smtClean="0">
+                          <a:latin typeface="Cambria Math" panose="02040503050406030204" pitchFamily="18" charset="0"/>
+                        </a:rPr>
+                        <m:t>−1</m:t>
+                      </m:r>
+                    </m:oMath>
+                  </m:oMathPara>
+                </a14:m>
+                <a:endParaRPr kumimoji="1" lang="zh-CN" altLang="en-US" dirty="0"/>
+              </a:p>
+            </p:txBody>
+          </p:sp>
+        </mc:Choice>
+        <mc:Fallback>
+          <p:sp>
+            <p:nvSpPr>
+              <p:cNvPr id="13" name="文本框 12">
+                <a:extLst>
+                  <a:ext uri="{FF2B5EF4-FFF2-40B4-BE49-F238E27FC236}">
+                    <a16:creationId xmlns:a16="http://schemas.microsoft.com/office/drawing/2014/main" id="{60032CFF-A712-BEBA-57C7-FCFF0E4A2864}"/>
+                  </a:ext>
+                </a:extLst>
+              </p:cNvPr>
+              <p:cNvSpPr txBox="1">
+                <a:spLocks noRot="1" noChangeAspect="1" noMove="1" noResize="1" noEditPoints="1" noAdjustHandles="1" noChangeArrowheads="1" noChangeShapeType="1" noTextEdit="1"/>
+              </p:cNvSpPr>
+              <p:nvPr/>
+            </p:nvSpPr>
+            <p:spPr>
+              <a:xfrm>
+                <a:off x="4741010" y="2641912"/>
+                <a:ext cx="363882" cy="276999"/>
+              </a:xfrm>
+              <a:prstGeom prst="rect">
+                <a:avLst/>
+              </a:prstGeom>
+              <a:blipFill>
+                <a:blip r:embed="rId4"/>
+                <a:stretch>
+                  <a:fillRect l="-3448" r="-13793" b="-8696"/>
+                </a:stretch>
+              </a:blipFill>
+            </p:spPr>
+            <p:txBody>
+              <a:bodyPr/>
+              <a:lstStyle/>
+              <a:p>
+                <a:r>
+                  <a:rPr lang="zh-CN" altLang="en-US">
+                    <a:noFill/>
+                  </a:rPr>
+                  <a:t> </a:t>
+                </a:r>
+              </a:p>
+            </p:txBody>
+          </p:sp>
+        </mc:Fallback>
+      </mc:AlternateContent>
+      <mc:AlternateContent xmlns:mc="http://schemas.openxmlformats.org/markup-compatibility/2006">
+        <mc:Choice xmlns:a14="http://schemas.microsoft.com/office/drawing/2010/main" Requires="a14">
+          <p:sp>
+            <p:nvSpPr>
+              <p:cNvPr id="14" name="文本框 13">
+                <a:extLst>
+                  <a:ext uri="{FF2B5EF4-FFF2-40B4-BE49-F238E27FC236}">
+                    <a16:creationId xmlns:a16="http://schemas.microsoft.com/office/drawing/2014/main" id="{9CDA1B56-8525-1DD3-5A48-0DE72FD82753}"/>
+                  </a:ext>
+                </a:extLst>
+              </p:cNvPr>
+              <p:cNvSpPr txBox="1"/>
+              <p:nvPr/>
+            </p:nvSpPr>
+            <p:spPr>
+              <a:xfrm>
+                <a:off x="5547572" y="2646732"/>
+                <a:ext cx="190757" cy="276999"/>
+              </a:xfrm>
+              <a:prstGeom prst="rect">
+                <a:avLst/>
+              </a:prstGeom>
+              <a:noFill/>
+            </p:spPr>
+            <p:txBody>
+              <a:bodyPr wrap="none" lIns="0" tIns="0" rIns="0" bIns="0" rtlCol="0">
+                <a:spAutoFit/>
+              </a:bodyPr>
+              <a:lstStyle/>
+              <a:p>
+                <a14:m>
+                  <m:oMathPara xmlns:m="http://schemas.openxmlformats.org/officeDocument/2006/math">
+                    <m:oMathParaPr>
+                      <m:jc m:val="centerGroup"/>
+                    </m:oMathParaPr>
+                    <m:oMath xmlns:m="http://schemas.openxmlformats.org/officeDocument/2006/math">
+                      <m:r>
+                        <a:rPr kumimoji="1" lang="en-US" altLang="zh-CN" b="0" i="1" smtClean="0">
+                          <a:latin typeface="Cambria Math" panose="02040503050406030204" pitchFamily="18" charset="0"/>
+                        </a:rPr>
+                        <m:t>0</m:t>
+                      </m:r>
+                    </m:oMath>
+                  </m:oMathPara>
+                </a14:m>
+                <a:endParaRPr kumimoji="1" lang="zh-CN" altLang="en-US" dirty="0"/>
+              </a:p>
+            </p:txBody>
+          </p:sp>
+        </mc:Choice>
+        <mc:Fallback>
+          <p:sp>
+            <p:nvSpPr>
+              <p:cNvPr id="14" name="文本框 13">
+                <a:extLst>
+                  <a:ext uri="{FF2B5EF4-FFF2-40B4-BE49-F238E27FC236}">
+                    <a16:creationId xmlns:a16="http://schemas.microsoft.com/office/drawing/2014/main" id="{9CDA1B56-8525-1DD3-5A48-0DE72FD82753}"/>
+                  </a:ext>
+                </a:extLst>
+              </p:cNvPr>
+              <p:cNvSpPr txBox="1">
+                <a:spLocks noRot="1" noChangeAspect="1" noMove="1" noResize="1" noEditPoints="1" noAdjustHandles="1" noChangeArrowheads="1" noChangeShapeType="1" noTextEdit="1"/>
+              </p:cNvSpPr>
+              <p:nvPr/>
+            </p:nvSpPr>
+            <p:spPr>
+              <a:xfrm>
+                <a:off x="5547572" y="2646732"/>
+                <a:ext cx="190757" cy="276999"/>
+              </a:xfrm>
+              <a:prstGeom prst="rect">
+                <a:avLst/>
+              </a:prstGeom>
+              <a:blipFill>
+                <a:blip r:embed="rId5"/>
+                <a:stretch>
+                  <a:fillRect l="-25000" r="-25000" b="-4348"/>
+                </a:stretch>
+              </a:blipFill>
+            </p:spPr>
+            <p:txBody>
+              <a:bodyPr/>
+              <a:lstStyle/>
+              <a:p>
+                <a:r>
+                  <a:rPr lang="zh-CN" altLang="en-US">
+                    <a:noFill/>
+                  </a:rPr>
+                  <a:t> </a:t>
+                </a:r>
+              </a:p>
+            </p:txBody>
+          </p:sp>
+        </mc:Fallback>
+      </mc:AlternateContent>
+    </p:spTree>
+    <p:extLst>
+      <p:ext uri="{BB962C8B-B14F-4D97-AF65-F5344CB8AC3E}">
+        <p14:creationId xmlns:p14="http://schemas.microsoft.com/office/powerpoint/2010/main" val="3319464383"/>
       </p:ext>
     </p:extLst>
   </p:cSld>
